--- a/关于前端二进制.pptx
+++ b/关于前端二进制.pptx
@@ -8608,7 +8608,7 @@
         </p:nvSpPr>
         <p:spPr>
           <a:xfrm>
-            <a:off x="990600" y="2904490"/>
+            <a:off x="972820" y="2680970"/>
             <a:ext cx="10594340" cy="2959735"/>
           </a:xfrm>
           <a:prstGeom prst="rect">
